--- a/Documentation/Sheets/BS42_les 2.pptx
+++ b/Documentation/Sheets/BS42_les 2.pptx
@@ -140,6 +140,22 @@
       </a:defRPr>
     </a:lvl9pPr>
   </p:defaultTextStyle>
+  <p:extLst>
+    <p:ext uri="{EFAFB233-063F-42B5-8137-9DF3F51BA10A}">
+      <p15:sldGuideLst xmlns:p15="http://schemas.microsoft.com/office/powerpoint/2012/main">
+        <p15:guide id="1" orient="horz" pos="2160">
+          <p15:clr>
+            <a:srgbClr val="A4A3A4"/>
+          </p15:clr>
+        </p15:guide>
+        <p15:guide id="2" pos="2880">
+          <p15:clr>
+            <a:srgbClr val="A4A3A4"/>
+          </p15:clr>
+        </p15:guide>
+      </p15:sldGuideLst>
+    </p:ext>
+  </p:extLst>
 </p:presentation>
 </file>
 
@@ -231,7 +247,7 @@
           <a:p>
             <a:fld id="{A40176ED-1A7A-41F0-BF9F-2E11CD6E5CF9}" type="datetimeFigureOut">
               <a:rPr lang="nl-NL" smtClean="0"/>
-              <a:t>6-5-2014</a:t>
+              <a:t>2014-12-01</a:t>
             </a:fld>
             <a:endParaRPr lang="nl-NL"/>
           </a:p>
@@ -390,7 +406,7 @@
           <a:p>
             <a:fld id="{6695F4A0-794F-4794-A846-BFEB11C49BFF}" type="slidenum">
               <a:rPr lang="nl-NL" smtClean="0"/>
-              <a:t>‹nr.›</a:t>
+              <a:t>‹#›</a:t>
             </a:fld>
             <a:endParaRPr lang="nl-NL"/>
           </a:p>
@@ -1074,7 +1090,7 @@
             <a:fld id="{2BE177FA-6587-43CB-B75A-147CBF779F5E}" type="datetime4">
               <a:rPr lang="nl-NL"/>
               <a:pPr/>
-              <a:t>6 mei 2014</a:t>
+              <a:t>1 december 2014</a:t>
             </a:fld>
             <a:endParaRPr lang="en-US"/>
           </a:p>
@@ -1171,6 +1187,11 @@
         </p:txBody>
       </p:sp>
     </p:spTree>
+    <p:extLst>
+      <p:ext uri="{BB962C8B-B14F-4D97-AF65-F5344CB8AC3E}">
+        <p14:creationId xmlns:p14="http://schemas.microsoft.com/office/powerpoint/2010/main" val="3402790347"/>
+      </p:ext>
+    </p:extLst>
   </p:cSld>
   <p:clrMapOvr>
     <a:masterClrMapping/>
@@ -1388,7 +1409,7 @@
             <a:fld id="{2BE177FA-6587-43CB-B75A-147CBF779F5E}" type="datetime4">
               <a:rPr lang="nl-NL"/>
               <a:pPr/>
-              <a:t>6 mei 2014</a:t>
+              <a:t>1 december 2014</a:t>
             </a:fld>
             <a:endParaRPr lang="en-US"/>
           </a:p>
@@ -1485,6 +1506,11 @@
         </p:txBody>
       </p:sp>
     </p:spTree>
+    <p:extLst>
+      <p:ext uri="{BB962C8B-B14F-4D97-AF65-F5344CB8AC3E}">
+        <p14:creationId xmlns:p14="http://schemas.microsoft.com/office/powerpoint/2010/main" val="1405289778"/>
+      </p:ext>
+    </p:extLst>
   </p:cSld>
   <p:clrMapOvr>
     <a:masterClrMapping/>
@@ -1666,7 +1692,7 @@
             <a:fld id="{1D8BD707-D9CF-40AE-B4C6-C98DA3205C09}" type="datetimeFigureOut">
               <a:rPr lang="en-US" smtClean="0"/>
               <a:pPr/>
-              <a:t>5/6/2014</a:t>
+              <a:t>12/1/2014</a:t>
             </a:fld>
             <a:endParaRPr lang="en-US"/>
           </a:p>
@@ -1709,7 +1735,7 @@
             <a:fld id="{B6F15528-21DE-4FAA-801E-634DDDAF4B2B}" type="slidenum">
               <a:rPr lang="en-US" smtClean="0"/>
               <a:pPr/>
-              <a:t>‹nr.›</a:t>
+              <a:t>‹#›</a:t>
             </a:fld>
             <a:endParaRPr lang="en-US"/>
           </a:p>
@@ -1833,7 +1859,7 @@
             <a:fld id="{1D8BD707-D9CF-40AE-B4C6-C98DA3205C09}" type="datetimeFigureOut">
               <a:rPr lang="en-US" smtClean="0"/>
               <a:pPr/>
-              <a:t>5/6/2014</a:t>
+              <a:t>12/1/2014</a:t>
             </a:fld>
             <a:endParaRPr lang="en-US"/>
           </a:p>
@@ -1876,7 +1902,7 @@
             <a:fld id="{B6F15528-21DE-4FAA-801E-634DDDAF4B2B}" type="slidenum">
               <a:rPr lang="en-US" smtClean="0"/>
               <a:pPr/>
-              <a:t>‹nr.›</a:t>
+              <a:t>‹#›</a:t>
             </a:fld>
             <a:endParaRPr lang="en-US"/>
           </a:p>
@@ -2010,7 +2036,7 @@
             <a:fld id="{1D8BD707-D9CF-40AE-B4C6-C98DA3205C09}" type="datetimeFigureOut">
               <a:rPr lang="en-US" smtClean="0"/>
               <a:pPr/>
-              <a:t>5/6/2014</a:t>
+              <a:t>12/1/2014</a:t>
             </a:fld>
             <a:endParaRPr lang="en-US"/>
           </a:p>
@@ -2053,7 +2079,7 @@
             <a:fld id="{B6F15528-21DE-4FAA-801E-634DDDAF4B2B}" type="slidenum">
               <a:rPr lang="en-US" smtClean="0"/>
               <a:pPr/>
-              <a:t>‹nr.›</a:t>
+              <a:t>‹#›</a:t>
             </a:fld>
             <a:endParaRPr lang="en-US"/>
           </a:p>
@@ -2177,7 +2203,7 @@
             <a:fld id="{1D8BD707-D9CF-40AE-B4C6-C98DA3205C09}" type="datetimeFigureOut">
               <a:rPr lang="en-US" smtClean="0"/>
               <a:pPr/>
-              <a:t>5/6/2014</a:t>
+              <a:t>12/1/2014</a:t>
             </a:fld>
             <a:endParaRPr lang="en-US"/>
           </a:p>
@@ -2220,7 +2246,7 @@
             <a:fld id="{B6F15528-21DE-4FAA-801E-634DDDAF4B2B}" type="slidenum">
               <a:rPr lang="en-US" smtClean="0"/>
               <a:pPr/>
-              <a:t>‹nr.›</a:t>
+              <a:t>‹#›</a:t>
             </a:fld>
             <a:endParaRPr lang="en-US"/>
           </a:p>
@@ -2421,7 +2447,7 @@
             <a:fld id="{1D8BD707-D9CF-40AE-B4C6-C98DA3205C09}" type="datetimeFigureOut">
               <a:rPr lang="en-US" smtClean="0"/>
               <a:pPr/>
-              <a:t>5/6/2014</a:t>
+              <a:t>12/1/2014</a:t>
             </a:fld>
             <a:endParaRPr lang="en-US"/>
           </a:p>
@@ -2464,7 +2490,7 @@
             <a:fld id="{B6F15528-21DE-4FAA-801E-634DDDAF4B2B}" type="slidenum">
               <a:rPr lang="en-US" smtClean="0"/>
               <a:pPr/>
-              <a:t>‹nr.›</a:t>
+              <a:t>‹#›</a:t>
             </a:fld>
             <a:endParaRPr lang="en-US"/>
           </a:p>
@@ -2687,7 +2713,7 @@
             <a:fld id="{1D8BD707-D9CF-40AE-B4C6-C98DA3205C09}" type="datetimeFigureOut">
               <a:rPr lang="en-US" smtClean="0"/>
               <a:pPr/>
-              <a:t>5/6/2014</a:t>
+              <a:t>12/1/2014</a:t>
             </a:fld>
             <a:endParaRPr lang="en-US"/>
           </a:p>
@@ -2730,7 +2756,7 @@
             <a:fld id="{B6F15528-21DE-4FAA-801E-634DDDAF4B2B}" type="slidenum">
               <a:rPr lang="en-US" smtClean="0"/>
               <a:pPr/>
-              <a:t>‹nr.›</a:t>
+              <a:t>‹#›</a:t>
             </a:fld>
             <a:endParaRPr lang="en-US"/>
           </a:p>
@@ -3067,7 +3093,7 @@
             <a:fld id="{1D8BD707-D9CF-40AE-B4C6-C98DA3205C09}" type="datetimeFigureOut">
               <a:rPr lang="en-US" smtClean="0"/>
               <a:pPr/>
-              <a:t>5/6/2014</a:t>
+              <a:t>12/1/2014</a:t>
             </a:fld>
             <a:endParaRPr lang="en-US"/>
           </a:p>
@@ -3110,7 +3136,7 @@
             <a:fld id="{B6F15528-21DE-4FAA-801E-634DDDAF4B2B}" type="slidenum">
               <a:rPr lang="en-US" smtClean="0"/>
               <a:pPr/>
-              <a:t>‹nr.›</a:t>
+              <a:t>‹#›</a:t>
             </a:fld>
             <a:endParaRPr lang="en-US"/>
           </a:p>
@@ -3219,7 +3245,7 @@
             <a:fld id="{1D8BD707-D9CF-40AE-B4C6-C98DA3205C09}" type="datetimeFigureOut">
               <a:rPr lang="en-US" smtClean="0"/>
               <a:pPr/>
-              <a:t>5/6/2014</a:t>
+              <a:t>12/1/2014</a:t>
             </a:fld>
             <a:endParaRPr lang="en-US"/>
           </a:p>
@@ -3262,7 +3288,7 @@
             <a:fld id="{B6F15528-21DE-4FAA-801E-634DDDAF4B2B}" type="slidenum">
               <a:rPr lang="en-US" smtClean="0"/>
               <a:pPr/>
-              <a:t>‹nr.›</a:t>
+              <a:t>‹#›</a:t>
             </a:fld>
             <a:endParaRPr lang="en-US"/>
           </a:p>
@@ -3311,7 +3337,7 @@
             <a:fld id="{1D8BD707-D9CF-40AE-B4C6-C98DA3205C09}" type="datetimeFigureOut">
               <a:rPr lang="en-US" smtClean="0"/>
               <a:pPr/>
-              <a:t>5/6/2014</a:t>
+              <a:t>12/1/2014</a:t>
             </a:fld>
             <a:endParaRPr lang="en-US"/>
           </a:p>
@@ -3354,7 +3380,7 @@
             <a:fld id="{B6F15528-21DE-4FAA-801E-634DDDAF4B2B}" type="slidenum">
               <a:rPr lang="en-US" smtClean="0"/>
               <a:pPr/>
-              <a:t>‹nr.›</a:t>
+              <a:t>‹#›</a:t>
             </a:fld>
             <a:endParaRPr lang="en-US"/>
           </a:p>
@@ -3574,7 +3600,7 @@
             <a:fld id="{1D8BD707-D9CF-40AE-B4C6-C98DA3205C09}" type="datetimeFigureOut">
               <a:rPr lang="en-US" smtClean="0"/>
               <a:pPr/>
-              <a:t>5/6/2014</a:t>
+              <a:t>12/1/2014</a:t>
             </a:fld>
             <a:endParaRPr lang="en-US"/>
           </a:p>
@@ -3617,7 +3643,7 @@
             <a:fld id="{B6F15528-21DE-4FAA-801E-634DDDAF4B2B}" type="slidenum">
               <a:rPr lang="en-US" smtClean="0"/>
               <a:pPr/>
-              <a:t>‹nr.›</a:t>
+              <a:t>‹#›</a:t>
             </a:fld>
             <a:endParaRPr lang="en-US"/>
           </a:p>
@@ -3864,7 +3890,7 @@
             <a:fld id="{1D8BD707-D9CF-40AE-B4C6-C98DA3205C09}" type="datetimeFigureOut">
               <a:rPr lang="en-US" smtClean="0"/>
               <a:pPr/>
-              <a:t>5/6/2014</a:t>
+              <a:t>12/1/2014</a:t>
             </a:fld>
             <a:endParaRPr lang="en-US"/>
           </a:p>
@@ -3912,7 +3938,7 @@
             <a:fld id="{B6F15528-21DE-4FAA-801E-634DDDAF4B2B}" type="slidenum">
               <a:rPr lang="en-US" smtClean="0"/>
               <a:pPr/>
-              <a:t>‹nr.›</a:t>
+              <a:t>‹#›</a:t>
             </a:fld>
             <a:endParaRPr lang="en-US"/>
           </a:p>
@@ -4637,7 +4663,7 @@
             <a:fld id="{1D8BD707-D9CF-40AE-B4C6-C98DA3205C09}" type="datetimeFigureOut">
               <a:rPr lang="en-US" smtClean="0"/>
               <a:pPr/>
-              <a:t>5/6/2014</a:t>
+              <a:t>12/1/2014</a:t>
             </a:fld>
             <a:endParaRPr lang="en-US"/>
           </a:p>
@@ -4716,7 +4742,7 @@
             <a:fld id="{B6F15528-21DE-4FAA-801E-634DDDAF4B2B}" type="slidenum">
               <a:rPr lang="en-US" smtClean="0"/>
               <a:pPr/>
-              <a:t>‹nr.›</a:t>
+              <a:t>‹#›</a:t>
             </a:fld>
             <a:endParaRPr lang="en-US"/>
           </a:p>
@@ -12963,17 +12989,12 @@
               <a:rPr lang="nl-NL" dirty="0" smtClean="0"/>
               <a:t> </a:t>
             </a:r>
-            <a:endParaRPr lang="nl-NL" dirty="0" smtClean="0"/>
           </a:p>
           <a:p>
             <a:pPr lvl="1"/>
             <a:r>
               <a:rPr lang="nl-NL" dirty="0" smtClean="0"/>
-              <a:t>Free</a:t>
-            </a:r>
-            <a:r>
-              <a:rPr lang="nl-NL" dirty="0" smtClean="0"/>
-              <a:t>, </a:t>
+              <a:t>Free, </a:t>
             </a:r>
             <a:r>
               <a:rPr lang="nl-NL" dirty="0" err="1" smtClean="0"/>
@@ -13023,13 +13044,7 @@
               <a:rPr lang="nl-NL">
                 <a:hlinkClick r:id="rId3"/>
               </a:rPr>
-              <a:t>http</a:t>
-            </a:r>
-            <a:r>
-              <a:rPr lang="nl-NL">
-                <a:hlinkClick r:id="rId3"/>
-              </a:rPr>
-              <a:t>://</a:t>
+              <a:t>http://</a:t>
             </a:r>
             <a:r>
               <a:rPr lang="nl-NL" smtClean="0">
@@ -15045,15 +15060,6 @@
 </file>
 
 <file path=customXml/item2.xml><?xml version="1.0" encoding="utf-8"?>
-<?mso-contentType ?>
-<FormTemplates xmlns="http://schemas.microsoft.com/sharepoint/v3/contenttype/forms">
-  <Display>DocumentLibraryForm</Display>
-  <Edit>DocumentLibraryForm</Edit>
-  <New>DocumentLibraryForm</New>
-</FormTemplates>
-</file>
-
-<file path=customXml/item3.xml><?xml version="1.0" encoding="utf-8"?>
 <ct:contentTypeSchema xmlns:ct="http://schemas.microsoft.com/office/2006/metadata/contentType" xmlns:ma="http://schemas.microsoft.com/office/2006/metadata/properties/metaAttributes" ct:_="" ma:_="" ma:contentTypeName="Document" ma:contentTypeID="0x0101007EC8EF6A5130B64EB16FDECA6AD65FA7" ma:contentTypeVersion="19" ma:contentTypeDescription="Create a new document." ma:contentTypeScope="" ma:versionID="04d29d094c6ec82a896cd1e81323b6ae">
   <xsd:schema xmlns:xsd="http://www.w3.org/2001/XMLSchema" xmlns:xs="http://www.w3.org/2001/XMLSchema" xmlns:p="http://schemas.microsoft.com/office/2006/metadata/properties" xmlns:ns2="8BEFD47E-E92C-44A2-BE92-BAD87DDA9534" targetNamespace="http://schemas.microsoft.com/office/2006/metadata/properties" ma:root="true" ma:fieldsID="424047039d3d6a5337686339fea9c9fc" ns2:_="">
     <xsd:import namespace="8BEFD47E-E92C-44A2-BE92-BAD87DDA9534"/>
@@ -15222,14 +15228,47 @@
 </ct:contentTypeSchema>
 </file>
 
+<file path=customXml/item3.xml><?xml version="1.0" encoding="utf-8"?>
+<?mso-contentType ?>
+<FormTemplates xmlns="http://schemas.microsoft.com/sharepoint/v3/contenttype/forms">
+  <Display>DocumentLibraryForm</Display>
+  <Edit>DocumentLibraryForm</Edit>
+  <New>DocumentLibraryForm</New>
+</FormTemplates>
+</file>
+
 <file path=customXml/itemProps1.xml><?xml version="1.0" encoding="utf-8"?>
-<ds:datastoreItem xmlns:ds="http://schemas.openxmlformats.org/officeDocument/2006/customXml" ds:itemID="{A29F54D3-B275-4629-B1E3-CE199766AA6E}"/>
+<ds:datastoreItem xmlns:ds="http://schemas.openxmlformats.org/officeDocument/2006/customXml" ds:itemID="{A29F54D3-B275-4629-B1E3-CE199766AA6E}">
+  <ds:schemaRefs>
+    <ds:schemaRef ds:uri="http://schemas.microsoft.com/office/2006/metadata/properties"/>
+    <ds:schemaRef ds:uri="http://schemas.microsoft.com/office/infopath/2007/PartnerControls"/>
+    <ds:schemaRef ds:uri="8BEFD47E-E92C-44A2-BE92-BAD87DDA9534"/>
+  </ds:schemaRefs>
+</ds:datastoreItem>
 </file>
 
 <file path=customXml/itemProps2.xml><?xml version="1.0" encoding="utf-8"?>
-<ds:datastoreItem xmlns:ds="http://schemas.openxmlformats.org/officeDocument/2006/customXml" ds:itemID="{908A3220-13DF-470D-BBF2-5A02D53FE9FD}"/>
+<ds:datastoreItem xmlns:ds="http://schemas.openxmlformats.org/officeDocument/2006/customXml" ds:itemID="{0C3835CF-B0C2-4ECE-8129-7290C7B2486C}">
+  <ds:schemaRefs>
+    <ds:schemaRef ds:uri="http://schemas.microsoft.com/office/2006/metadata/contentType"/>
+    <ds:schemaRef ds:uri="http://schemas.microsoft.com/office/2006/metadata/properties/metaAttributes"/>
+    <ds:schemaRef ds:uri="http://www.w3.org/2001/XMLSchema"/>
+    <ds:schemaRef ds:uri="http://schemas.microsoft.com/office/2006/metadata/properties"/>
+    <ds:schemaRef ds:uri="8BEFD47E-E92C-44A2-BE92-BAD87DDA9534"/>
+    <ds:schemaRef ds:uri="http://schemas.microsoft.com/office/2006/documentManagement/types"/>
+    <ds:schemaRef ds:uri="http://schemas.microsoft.com/office/infopath/2007/PartnerControls"/>
+    <ds:schemaRef ds:uri="http://schemas.openxmlformats.org/package/2006/metadata/core-properties"/>
+    <ds:schemaRef ds:uri="http://purl.org/dc/elements/1.1/"/>
+    <ds:schemaRef ds:uri="http://purl.org/dc/terms/"/>
+    <ds:schemaRef ds:uri="http://schemas.microsoft.com/internal/obd"/>
+  </ds:schemaRefs>
+</ds:datastoreItem>
 </file>
 
 <file path=customXml/itemProps3.xml><?xml version="1.0" encoding="utf-8"?>
-<ds:datastoreItem xmlns:ds="http://schemas.openxmlformats.org/officeDocument/2006/customXml" ds:itemID="{0C3835CF-B0C2-4ECE-8129-7290C7B2486C}"/>
+<ds:datastoreItem xmlns:ds="http://schemas.openxmlformats.org/officeDocument/2006/customXml" ds:itemID="{908A3220-13DF-470D-BBF2-5A02D53FE9FD}">
+  <ds:schemaRefs>
+    <ds:schemaRef ds:uri="http://schemas.microsoft.com/sharepoint/v3/contenttype/forms"/>
+  </ds:schemaRefs>
+</ds:datastoreItem>
 </file>